--- a/docs/lectures/00-course-intro.pptx
+++ b/docs/lectures/00-course-intro.pptx
@@ -16,22 +16,24 @@
     <p:sldId id="266" r:id="rId10"/>
     <p:sldId id="284" r:id="rId11"/>
     <p:sldId id="267" r:id="rId12"/>
-    <p:sldId id="282" r:id="rId13"/>
-    <p:sldId id="283" r:id="rId14"/>
-    <p:sldId id="268" r:id="rId15"/>
-    <p:sldId id="269" r:id="rId16"/>
-    <p:sldId id="270" r:id="rId17"/>
-    <p:sldId id="271" r:id="rId18"/>
-    <p:sldId id="272" r:id="rId19"/>
-    <p:sldId id="273" r:id="rId20"/>
-    <p:sldId id="274" r:id="rId21"/>
-    <p:sldId id="275" r:id="rId22"/>
-    <p:sldId id="276" r:id="rId23"/>
-    <p:sldId id="277" r:id="rId24"/>
-    <p:sldId id="278" r:id="rId25"/>
-    <p:sldId id="279" r:id="rId26"/>
-    <p:sldId id="280" r:id="rId27"/>
-    <p:sldId id="281" r:id="rId28"/>
+    <p:sldId id="286" r:id="rId13"/>
+    <p:sldId id="285" r:id="rId14"/>
+    <p:sldId id="282" r:id="rId15"/>
+    <p:sldId id="283" r:id="rId16"/>
+    <p:sldId id="268" r:id="rId17"/>
+    <p:sldId id="269" r:id="rId18"/>
+    <p:sldId id="270" r:id="rId19"/>
+    <p:sldId id="271" r:id="rId20"/>
+    <p:sldId id="272" r:id="rId21"/>
+    <p:sldId id="273" r:id="rId22"/>
+    <p:sldId id="274" r:id="rId23"/>
+    <p:sldId id="275" r:id="rId24"/>
+    <p:sldId id="276" r:id="rId25"/>
+    <p:sldId id="277" r:id="rId26"/>
+    <p:sldId id="278" r:id="rId27"/>
+    <p:sldId id="279" r:id="rId28"/>
+    <p:sldId id="280" r:id="rId29"/>
+    <p:sldId id="281" r:id="rId30"/>
   </p:sldIdLst>
   <p:sldSz cx="12192000" cy="6858000"/>
   <p:notesSz cx="6858000" cy="9144000"/>
@@ -269,7 +271,7 @@
           <a:p>
             <a:fld id="{329990B4-718D-447F-BF1A-7AB484A66CB1}" type="datetimeFigureOut">
               <a:rPr lang="en-GB" smtClean="0"/>
-              <a:t>22/09/2022</a:t>
+              <a:t>17/09/2023</a:t>
             </a:fld>
             <a:endParaRPr lang="en-GB"/>
           </a:p>
@@ -439,7 +441,7 @@
           <a:p>
             <a:fld id="{329990B4-718D-447F-BF1A-7AB484A66CB1}" type="datetimeFigureOut">
               <a:rPr lang="en-GB" smtClean="0"/>
-              <a:t>22/09/2022</a:t>
+              <a:t>17/09/2023</a:t>
             </a:fld>
             <a:endParaRPr lang="en-GB"/>
           </a:p>
@@ -619,7 +621,7 @@
           <a:p>
             <a:fld id="{329990B4-718D-447F-BF1A-7AB484A66CB1}" type="datetimeFigureOut">
               <a:rPr lang="en-GB" smtClean="0"/>
-              <a:t>22/09/2022</a:t>
+              <a:t>17/09/2023</a:t>
             </a:fld>
             <a:endParaRPr lang="en-GB"/>
           </a:p>
@@ -789,7 +791,7 @@
           <a:p>
             <a:fld id="{329990B4-718D-447F-BF1A-7AB484A66CB1}" type="datetimeFigureOut">
               <a:rPr lang="en-GB" smtClean="0"/>
-              <a:t>22/09/2022</a:t>
+              <a:t>17/09/2023</a:t>
             </a:fld>
             <a:endParaRPr lang="en-GB"/>
           </a:p>
@@ -1033,7 +1035,7 @@
           <a:p>
             <a:fld id="{329990B4-718D-447F-BF1A-7AB484A66CB1}" type="datetimeFigureOut">
               <a:rPr lang="en-GB" smtClean="0"/>
-              <a:t>22/09/2022</a:t>
+              <a:t>17/09/2023</a:t>
             </a:fld>
             <a:endParaRPr lang="en-GB"/>
           </a:p>
@@ -1265,7 +1267,7 @@
           <a:p>
             <a:fld id="{329990B4-718D-447F-BF1A-7AB484A66CB1}" type="datetimeFigureOut">
               <a:rPr lang="en-GB" smtClean="0"/>
-              <a:t>22/09/2022</a:t>
+              <a:t>17/09/2023</a:t>
             </a:fld>
             <a:endParaRPr lang="en-GB"/>
           </a:p>
@@ -1632,7 +1634,7 @@
           <a:p>
             <a:fld id="{329990B4-718D-447F-BF1A-7AB484A66CB1}" type="datetimeFigureOut">
               <a:rPr lang="en-GB" smtClean="0"/>
-              <a:t>22/09/2022</a:t>
+              <a:t>17/09/2023</a:t>
             </a:fld>
             <a:endParaRPr lang="en-GB"/>
           </a:p>
@@ -1750,7 +1752,7 @@
           <a:p>
             <a:fld id="{329990B4-718D-447F-BF1A-7AB484A66CB1}" type="datetimeFigureOut">
               <a:rPr lang="en-GB" smtClean="0"/>
-              <a:t>22/09/2022</a:t>
+              <a:t>17/09/2023</a:t>
             </a:fld>
             <a:endParaRPr lang="en-GB"/>
           </a:p>
@@ -1845,7 +1847,7 @@
           <a:p>
             <a:fld id="{329990B4-718D-447F-BF1A-7AB484A66CB1}" type="datetimeFigureOut">
               <a:rPr lang="en-GB" smtClean="0"/>
-              <a:t>22/09/2022</a:t>
+              <a:t>17/09/2023</a:t>
             </a:fld>
             <a:endParaRPr lang="en-GB"/>
           </a:p>
@@ -2122,7 +2124,7 @@
           <a:p>
             <a:fld id="{329990B4-718D-447F-BF1A-7AB484A66CB1}" type="datetimeFigureOut">
               <a:rPr lang="en-GB" smtClean="0"/>
-              <a:t>22/09/2022</a:t>
+              <a:t>17/09/2023</a:t>
             </a:fld>
             <a:endParaRPr lang="en-GB"/>
           </a:p>
@@ -2379,7 +2381,7 @@
           <a:p>
             <a:fld id="{329990B4-718D-447F-BF1A-7AB484A66CB1}" type="datetimeFigureOut">
               <a:rPr lang="en-GB" smtClean="0"/>
-              <a:t>22/09/2022</a:t>
+              <a:t>17/09/2023</a:t>
             </a:fld>
             <a:endParaRPr lang="en-GB"/>
           </a:p>
@@ -2599,7 +2601,7 @@
             <a:fld id="{329990B4-718D-447F-BF1A-7AB484A66CB1}" type="datetimeFigureOut">
               <a:rPr lang="en-GB" smtClean="0"/>
               <a:pPr/>
-              <a:t>22/09/2022</a:t>
+              <a:t>17/09/2023</a:t>
             </a:fld>
             <a:endParaRPr lang="en-GB" dirty="0"/>
           </a:p>
@@ -3346,6 +3348,927 @@
       </p:grpSpPr>
       <p:sp>
         <p:nvSpPr>
+          <p:cNvPr id="2" name="TextBox 1">
+            <a:extLst>
+              <a:ext uri="{FF2B5EF4-FFF2-40B4-BE49-F238E27FC236}">
+                <a16:creationId xmlns:a16="http://schemas.microsoft.com/office/drawing/2014/main" id="{C64F70DE-239A-6257-28F0-021E820B0073}"/>
+              </a:ext>
+            </a:extLst>
+          </p:cNvPr>
+          <p:cNvSpPr txBox="1"/>
+          <p:nvPr/>
+        </p:nvSpPr>
+        <p:spPr>
+          <a:xfrm>
+            <a:off x="2693773" y="278027"/>
+            <a:ext cx="6908879" cy="769441"/>
+          </a:xfrm>
+          <a:prstGeom prst="rect">
+            <a:avLst/>
+          </a:prstGeom>
+          <a:noFill/>
+        </p:spPr>
+        <p:txBody>
+          <a:bodyPr wrap="none" rtlCol="0">
+            <a:spAutoFit/>
+          </a:bodyPr>
+          <a:lstStyle/>
+          <a:p>
+            <a:r>
+              <a:rPr lang="en-GB" sz="4400" b="1" dirty="0">
+                <a:solidFill>
+                  <a:schemeClr val="bg1"/>
+                </a:solidFill>
+              </a:rPr>
+              <a:t>Computer recommendations</a:t>
+            </a:r>
+          </a:p>
+        </p:txBody>
+      </p:sp>
+      <p:sp>
+        <p:nvSpPr>
+          <p:cNvPr id="3" name="TextBox 2">
+            <a:extLst>
+              <a:ext uri="{FF2B5EF4-FFF2-40B4-BE49-F238E27FC236}">
+                <a16:creationId xmlns:a16="http://schemas.microsoft.com/office/drawing/2014/main" id="{08E45458-B553-9E9F-DB19-9A3EDC1405F1}"/>
+              </a:ext>
+            </a:extLst>
+          </p:cNvPr>
+          <p:cNvSpPr txBox="1"/>
+          <p:nvPr/>
+        </p:nvSpPr>
+        <p:spPr>
+          <a:xfrm>
+            <a:off x="673442" y="2303164"/>
+            <a:ext cx="3769878" cy="3416320"/>
+          </a:xfrm>
+          <a:prstGeom prst="rect">
+            <a:avLst/>
+          </a:prstGeom>
+          <a:noFill/>
+        </p:spPr>
+        <p:txBody>
+          <a:bodyPr wrap="none" rtlCol="0">
+            <a:spAutoFit/>
+          </a:bodyPr>
+          <a:lstStyle/>
+          <a:p>
+            <a:r>
+              <a:rPr lang="en-GB" sz="2400" b="1" dirty="0">
+                <a:solidFill>
+                  <a:schemeClr val="bg1"/>
+                </a:solidFill>
+              </a:rPr>
+              <a:t>Rough guidelines:</a:t>
+            </a:r>
+          </a:p>
+          <a:p>
+            <a:endParaRPr lang="en-GB" sz="2400" dirty="0">
+              <a:solidFill>
+                <a:schemeClr val="bg1"/>
+              </a:solidFill>
+            </a:endParaRPr>
+          </a:p>
+          <a:p>
+            <a:r>
+              <a:rPr lang="en-GB" sz="2400" dirty="0">
+                <a:solidFill>
+                  <a:schemeClr val="bg1"/>
+                </a:solidFill>
+              </a:rPr>
+              <a:t>8 GB RAM (16 better)</a:t>
+            </a:r>
+          </a:p>
+          <a:p>
+            <a:endParaRPr lang="en-GB" sz="2400" dirty="0">
+              <a:solidFill>
+                <a:schemeClr val="bg1"/>
+              </a:solidFill>
+            </a:endParaRPr>
+          </a:p>
+          <a:p>
+            <a:r>
+              <a:rPr lang="en-GB" sz="2400" dirty="0">
+                <a:solidFill>
+                  <a:schemeClr val="bg1"/>
+                </a:solidFill>
+              </a:rPr>
+              <a:t>Intel i7 (or better)</a:t>
+            </a:r>
+          </a:p>
+          <a:p>
+            <a:endParaRPr lang="en-GB" sz="2400" dirty="0">
+              <a:solidFill>
+                <a:schemeClr val="bg1"/>
+              </a:solidFill>
+            </a:endParaRPr>
+          </a:p>
+          <a:p>
+            <a:r>
+              <a:rPr lang="en-GB" sz="2400" dirty="0">
+                <a:solidFill>
+                  <a:schemeClr val="bg1"/>
+                </a:solidFill>
+              </a:rPr>
+              <a:t>500GB HD or SSD (or more)</a:t>
+            </a:r>
+          </a:p>
+          <a:p>
+            <a:endParaRPr lang="en-GB" sz="2400" dirty="0">
+              <a:solidFill>
+                <a:schemeClr val="bg1"/>
+              </a:solidFill>
+            </a:endParaRPr>
+          </a:p>
+          <a:p>
+            <a:r>
+              <a:rPr lang="en-GB" sz="2400" dirty="0">
+                <a:solidFill>
+                  <a:schemeClr val="bg1"/>
+                </a:solidFill>
+              </a:rPr>
+              <a:t>Windows (Mac or </a:t>
+            </a:r>
+            <a:r>
+              <a:rPr lang="en-GB" sz="2400" dirty="0" err="1">
+                <a:solidFill>
+                  <a:schemeClr val="bg1"/>
+                </a:solidFill>
+              </a:rPr>
+              <a:t>linux</a:t>
+            </a:r>
+            <a:r>
+              <a:rPr lang="en-GB" sz="2400" dirty="0">
+                <a:solidFill>
+                  <a:schemeClr val="bg1"/>
+                </a:solidFill>
+              </a:rPr>
+              <a:t> fine) </a:t>
+            </a:r>
+          </a:p>
+        </p:txBody>
+      </p:sp>
+      <p:sp>
+        <p:nvSpPr>
+          <p:cNvPr id="4" name="TextBox 3">
+            <a:extLst>
+              <a:ext uri="{FF2B5EF4-FFF2-40B4-BE49-F238E27FC236}">
+                <a16:creationId xmlns:a16="http://schemas.microsoft.com/office/drawing/2014/main" id="{92B396DF-C8EF-C860-89B0-3F7C4A7947FE}"/>
+              </a:ext>
+            </a:extLst>
+          </p:cNvPr>
+          <p:cNvSpPr txBox="1"/>
+          <p:nvPr/>
+        </p:nvSpPr>
+        <p:spPr>
+          <a:xfrm>
+            <a:off x="5838568" y="1564500"/>
+            <a:ext cx="6107023" cy="4154984"/>
+          </a:xfrm>
+          <a:prstGeom prst="rect">
+            <a:avLst/>
+          </a:prstGeom>
+          <a:noFill/>
+        </p:spPr>
+        <p:txBody>
+          <a:bodyPr wrap="square" rtlCol="0">
+            <a:spAutoFit/>
+          </a:bodyPr>
+          <a:lstStyle/>
+          <a:p>
+            <a:r>
+              <a:rPr lang="en-GB" sz="2400" b="1" dirty="0">
+                <a:solidFill>
+                  <a:schemeClr val="bg1"/>
+                </a:solidFill>
+              </a:rPr>
+              <a:t>All work we can or will do can be accomplished in "the cloud", making your local hardware and software less important.</a:t>
+            </a:r>
+          </a:p>
+          <a:p>
+            <a:endParaRPr lang="en-GB" sz="2400" b="1" dirty="0">
+              <a:solidFill>
+                <a:schemeClr val="bg1"/>
+              </a:solidFill>
+            </a:endParaRPr>
+          </a:p>
+          <a:p>
+            <a:r>
+              <a:rPr lang="en-GB" sz="2400" dirty="0" err="1">
+                <a:solidFill>
+                  <a:schemeClr val="bg1"/>
+                </a:solidFill>
+              </a:rPr>
+              <a:t>Rstudio</a:t>
+            </a:r>
+            <a:r>
+              <a:rPr lang="en-GB" sz="2400" dirty="0">
+                <a:solidFill>
+                  <a:schemeClr val="bg1"/>
+                </a:solidFill>
+              </a:rPr>
+              <a:t> cloud (free time each month)</a:t>
+            </a:r>
+          </a:p>
+          <a:p>
+            <a:endParaRPr lang="en-GB" sz="2400" dirty="0">
+              <a:solidFill>
+                <a:schemeClr val="bg1"/>
+              </a:solidFill>
+            </a:endParaRPr>
+          </a:p>
+          <a:p>
+            <a:r>
+              <a:rPr lang="en-GB" sz="2400" dirty="0">
+                <a:solidFill>
+                  <a:schemeClr val="bg1"/>
+                </a:solidFill>
+              </a:rPr>
+              <a:t>Google </a:t>
+            </a:r>
+            <a:r>
+              <a:rPr lang="en-GB" sz="2400" dirty="0" err="1">
+                <a:solidFill>
+                  <a:schemeClr val="bg1"/>
+                </a:solidFill>
+              </a:rPr>
+              <a:t>Colab</a:t>
+            </a:r>
+            <a:r>
+              <a:rPr lang="en-GB" sz="2400" dirty="0">
+                <a:solidFill>
+                  <a:schemeClr val="bg1"/>
+                </a:solidFill>
+              </a:rPr>
+              <a:t> (free)</a:t>
+            </a:r>
+          </a:p>
+          <a:p>
+            <a:endParaRPr lang="en-GB" sz="2400" dirty="0">
+              <a:solidFill>
+                <a:schemeClr val="bg1"/>
+              </a:solidFill>
+            </a:endParaRPr>
+          </a:p>
+          <a:p>
+            <a:r>
+              <a:rPr lang="en-GB" sz="2400" dirty="0">
+                <a:solidFill>
+                  <a:schemeClr val="bg1"/>
+                </a:solidFill>
+              </a:rPr>
+              <a:t>Kaggle (free)</a:t>
+            </a:r>
+          </a:p>
+          <a:p>
+            <a:endParaRPr lang="en-GB" sz="2400" dirty="0">
+              <a:solidFill>
+                <a:schemeClr val="bg1"/>
+              </a:solidFill>
+            </a:endParaRPr>
+          </a:p>
+          <a:p>
+            <a:r>
+              <a:rPr lang="en-GB" sz="2400" dirty="0">
+                <a:solidFill>
+                  <a:schemeClr val="bg1"/>
+                </a:solidFill>
+              </a:rPr>
+              <a:t>Amazon </a:t>
+            </a:r>
+            <a:r>
+              <a:rPr lang="en-GB" sz="2400" dirty="0" err="1">
+                <a:solidFill>
+                  <a:schemeClr val="bg1"/>
+                </a:solidFill>
+              </a:rPr>
+              <a:t>Sagemaker</a:t>
+            </a:r>
+            <a:r>
+              <a:rPr lang="en-GB" sz="2400" dirty="0">
+                <a:solidFill>
+                  <a:schemeClr val="bg1"/>
+                </a:solidFill>
+              </a:rPr>
+              <a:t>, etc. (free*)</a:t>
+            </a:r>
+          </a:p>
+        </p:txBody>
+      </p:sp>
+    </p:spTree>
+    <p:extLst>
+      <p:ext uri="{BB962C8B-B14F-4D97-AF65-F5344CB8AC3E}">
+        <p14:creationId xmlns:p14="http://schemas.microsoft.com/office/powerpoint/2010/main" val="574679774"/>
+      </p:ext>
+    </p:extLst>
+  </p:cSld>
+  <p:clrMapOvr>
+    <a:masterClrMapping/>
+  </p:clrMapOvr>
+</p:sld>
+</file>
+
+<file path=ppt/slides/slide13.xml><?xml version="1.0" encoding="utf-8"?>
+<p:sld xmlns:a="http://schemas.openxmlformats.org/drawingml/2006/main" xmlns:r="http://schemas.openxmlformats.org/officeDocument/2006/relationships" xmlns:p="http://schemas.openxmlformats.org/presentationml/2006/main">
+  <p:cSld>
+    <p:spTree>
+      <p:nvGrpSpPr>
+        <p:cNvPr id="1" name=""/>
+        <p:cNvGrpSpPr/>
+        <p:nvPr/>
+      </p:nvGrpSpPr>
+      <p:grpSpPr>
+        <a:xfrm>
+          <a:off x="0" y="0"/>
+          <a:ext cx="0" cy="0"/>
+          <a:chOff x="0" y="0"/>
+          <a:chExt cx="0" cy="0"/>
+        </a:xfrm>
+      </p:grpSpPr>
+      <p:pic>
+        <p:nvPicPr>
+          <p:cNvPr id="1026" name="Picture 2" descr="Python Logo - Business Data Partners">
+            <a:extLst>
+              <a:ext uri="{FF2B5EF4-FFF2-40B4-BE49-F238E27FC236}">
+                <a16:creationId xmlns:a16="http://schemas.microsoft.com/office/drawing/2014/main" id="{E3A093E7-E3E5-26C3-73FF-1DBB1BFEECD3}"/>
+              </a:ext>
+            </a:extLst>
+          </p:cNvPr>
+          <p:cNvPicPr>
+            <a:picLocks noChangeAspect="1" noChangeArrowheads="1"/>
+          </p:cNvPicPr>
+          <p:nvPr/>
+        </p:nvPicPr>
+        <p:blipFill>
+          <a:blip r:embed="rId2">
+            <a:extLst>
+              <a:ext uri="{28A0092B-C50C-407E-A947-70E740481C1C}">
+                <a14:useLocalDpi xmlns:a14="http://schemas.microsoft.com/office/drawing/2010/main" val="0"/>
+              </a:ext>
+            </a:extLst>
+          </a:blip>
+          <a:srcRect/>
+          <a:stretch>
+            <a:fillRect/>
+          </a:stretch>
+        </p:blipFill>
+        <p:spPr bwMode="auto">
+          <a:xfrm>
+            <a:off x="788720" y="4398202"/>
+            <a:ext cx="1828800" cy="1828800"/>
+          </a:xfrm>
+          <a:prstGeom prst="rect">
+            <a:avLst/>
+          </a:prstGeom>
+          <a:noFill/>
+          <a:extLst>
+            <a:ext uri="{909E8E84-426E-40DD-AFC4-6F175D3DCCD1}">
+              <a14:hiddenFill xmlns:a14="http://schemas.microsoft.com/office/drawing/2010/main">
+                <a:solidFill>
+                  <a:srgbClr val="FFFFFF"/>
+                </a:solidFill>
+              </a14:hiddenFill>
+            </a:ext>
+          </a:extLst>
+        </p:spPr>
+      </p:pic>
+      <p:pic>
+        <p:nvPicPr>
+          <p:cNvPr id="1028" name="Picture 4" descr="R Official Logo Programming Language&quot; Photographic Print for Sale by  Rainwater Merch | Redbubble">
+            <a:extLst>
+              <a:ext uri="{FF2B5EF4-FFF2-40B4-BE49-F238E27FC236}">
+                <a16:creationId xmlns:a16="http://schemas.microsoft.com/office/drawing/2014/main" id="{84853B80-0B15-877F-5064-331ED28CAE46}"/>
+              </a:ext>
+            </a:extLst>
+          </p:cNvPr>
+          <p:cNvPicPr>
+            <a:picLocks noChangeAspect="1" noChangeArrowheads="1"/>
+          </p:cNvPicPr>
+          <p:nvPr/>
+        </p:nvPicPr>
+        <p:blipFill rotWithShape="1">
+          <a:blip r:embed="rId3">
+            <a:extLst>
+              <a:ext uri="{28A0092B-C50C-407E-A947-70E740481C1C}">
+                <a14:useLocalDpi xmlns:a14="http://schemas.microsoft.com/office/drawing/2010/main" val="0"/>
+              </a:ext>
+            </a:extLst>
+          </a:blip>
+          <a:srcRect t="6937" b="28378"/>
+          <a:stretch/>
+        </p:blipFill>
+        <p:spPr bwMode="auto">
+          <a:xfrm>
+            <a:off x="788721" y="1302542"/>
+            <a:ext cx="1839084" cy="1586142"/>
+          </a:xfrm>
+          <a:prstGeom prst="rect">
+            <a:avLst/>
+          </a:prstGeom>
+          <a:noFill/>
+          <a:extLst>
+            <a:ext uri="{909E8E84-426E-40DD-AFC4-6F175D3DCCD1}">
+              <a14:hiddenFill xmlns:a14="http://schemas.microsoft.com/office/drawing/2010/main">
+                <a:solidFill>
+                  <a:srgbClr val="FFFFFF"/>
+                </a:solidFill>
+              </a14:hiddenFill>
+            </a:ext>
+          </a:extLst>
+        </p:spPr>
+      </p:pic>
+      <p:pic>
+        <p:nvPicPr>
+          <p:cNvPr id="1030" name="Picture 6" descr="RStudio Download for Free - 2023 Latest Version">
+            <a:extLst>
+              <a:ext uri="{FF2B5EF4-FFF2-40B4-BE49-F238E27FC236}">
+                <a16:creationId xmlns:a16="http://schemas.microsoft.com/office/drawing/2014/main" id="{B03376E1-0994-2C4C-5C93-CCAE76E0111D}"/>
+              </a:ext>
+            </a:extLst>
+          </p:cNvPr>
+          <p:cNvPicPr>
+            <a:picLocks noChangeAspect="1" noChangeArrowheads="1"/>
+          </p:cNvPicPr>
+          <p:nvPr/>
+        </p:nvPicPr>
+        <p:blipFill rotWithShape="1">
+          <a:blip r:embed="rId4">
+            <a:extLst>
+              <a:ext uri="{28A0092B-C50C-407E-A947-70E740481C1C}">
+                <a14:useLocalDpi xmlns:a14="http://schemas.microsoft.com/office/drawing/2010/main" val="0"/>
+              </a:ext>
+            </a:extLst>
+          </a:blip>
+          <a:srcRect l="16412" t="37332" r="19347" b="37260"/>
+          <a:stretch/>
+        </p:blipFill>
+        <p:spPr bwMode="auto">
+          <a:xfrm>
+            <a:off x="3535729" y="1679964"/>
+            <a:ext cx="2350668" cy="929702"/>
+          </a:xfrm>
+          <a:prstGeom prst="rect">
+            <a:avLst/>
+          </a:prstGeom>
+          <a:noFill/>
+          <a:extLst>
+            <a:ext uri="{909E8E84-426E-40DD-AFC4-6F175D3DCCD1}">
+              <a14:hiddenFill xmlns:a14="http://schemas.microsoft.com/office/drawing/2010/main">
+                <a:solidFill>
+                  <a:srgbClr val="FFFFFF"/>
+                </a:solidFill>
+              </a14:hiddenFill>
+            </a:ext>
+          </a:extLst>
+        </p:spPr>
+      </p:pic>
+      <p:sp>
+        <p:nvSpPr>
+          <p:cNvPr id="5" name="TextBox 4">
+            <a:extLst>
+              <a:ext uri="{FF2B5EF4-FFF2-40B4-BE49-F238E27FC236}">
+                <a16:creationId xmlns:a16="http://schemas.microsoft.com/office/drawing/2014/main" id="{5C913A6E-BB24-E747-3E59-FE64B14B8DC3}"/>
+              </a:ext>
+            </a:extLst>
+          </p:cNvPr>
+          <p:cNvSpPr txBox="1"/>
+          <p:nvPr/>
+        </p:nvSpPr>
+        <p:spPr>
+          <a:xfrm>
+            <a:off x="3124256" y="61783"/>
+            <a:ext cx="5943487" cy="769441"/>
+          </a:xfrm>
+          <a:prstGeom prst="rect">
+            <a:avLst/>
+          </a:prstGeom>
+          <a:noFill/>
+        </p:spPr>
+        <p:txBody>
+          <a:bodyPr wrap="none" rtlCol="0">
+            <a:spAutoFit/>
+          </a:bodyPr>
+          <a:lstStyle/>
+          <a:p>
+            <a:r>
+              <a:rPr lang="en-GB" sz="4400" b="1" dirty="0">
+                <a:solidFill>
+                  <a:schemeClr val="bg1"/>
+                </a:solidFill>
+              </a:rPr>
+              <a:t>Software and computing</a:t>
+            </a:r>
+          </a:p>
+        </p:txBody>
+      </p:sp>
+      <p:pic>
+        <p:nvPicPr>
+          <p:cNvPr id="1032" name="Picture 8">
+            <a:extLst>
+              <a:ext uri="{FF2B5EF4-FFF2-40B4-BE49-F238E27FC236}">
+                <a16:creationId xmlns:a16="http://schemas.microsoft.com/office/drawing/2014/main" id="{2986F9AD-011F-AD62-F2F6-8068171794BB}"/>
+              </a:ext>
+            </a:extLst>
+          </p:cNvPr>
+          <p:cNvPicPr>
+            <a:picLocks noChangeAspect="1" noChangeArrowheads="1"/>
+          </p:cNvPicPr>
+          <p:nvPr/>
+        </p:nvPicPr>
+        <p:blipFill rotWithShape="1">
+          <a:blip r:embed="rId5">
+            <a:extLst>
+              <a:ext uri="{28A0092B-C50C-407E-A947-70E740481C1C}">
+                <a14:useLocalDpi xmlns:a14="http://schemas.microsoft.com/office/drawing/2010/main" val="0"/>
+              </a:ext>
+            </a:extLst>
+          </a:blip>
+          <a:srcRect t="30022" b="30021"/>
+          <a:stretch/>
+        </p:blipFill>
+        <p:spPr bwMode="auto">
+          <a:xfrm>
+            <a:off x="7078095" y="3782844"/>
+            <a:ext cx="3869155" cy="858882"/>
+          </a:xfrm>
+          <a:prstGeom prst="rect">
+            <a:avLst/>
+          </a:prstGeom>
+          <a:noFill/>
+          <a:extLst>
+            <a:ext uri="{909E8E84-426E-40DD-AFC4-6F175D3DCCD1}">
+              <a14:hiddenFill xmlns:a14="http://schemas.microsoft.com/office/drawing/2010/main">
+                <a:solidFill>
+                  <a:srgbClr val="FFFFFF"/>
+                </a:solidFill>
+              </a14:hiddenFill>
+            </a:ext>
+          </a:extLst>
+        </p:spPr>
+      </p:pic>
+      <p:pic>
+        <p:nvPicPr>
+          <p:cNvPr id="1034" name="Picture 10" descr="15 astuces pour Google Colab - La revue IA">
+            <a:extLst>
+              <a:ext uri="{FF2B5EF4-FFF2-40B4-BE49-F238E27FC236}">
+                <a16:creationId xmlns:a16="http://schemas.microsoft.com/office/drawing/2014/main" id="{9AB80FF1-C826-C5EE-9934-129049077987}"/>
+              </a:ext>
+            </a:extLst>
+          </p:cNvPr>
+          <p:cNvPicPr>
+            <a:picLocks noChangeAspect="1" noChangeArrowheads="1"/>
+          </p:cNvPicPr>
+          <p:nvPr/>
+        </p:nvPicPr>
+        <p:blipFill rotWithShape="1">
+          <a:blip r:embed="rId6">
+            <a:extLst>
+              <a:ext uri="{28A0092B-C50C-407E-A947-70E740481C1C}">
+                <a14:useLocalDpi xmlns:a14="http://schemas.microsoft.com/office/drawing/2010/main" val="0"/>
+              </a:ext>
+            </a:extLst>
+          </a:blip>
+          <a:srcRect t="20223" b="23115"/>
+          <a:stretch/>
+        </p:blipFill>
+        <p:spPr bwMode="auto">
+          <a:xfrm>
+            <a:off x="7078095" y="5033595"/>
+            <a:ext cx="4026568" cy="1521737"/>
+          </a:xfrm>
+          <a:prstGeom prst="rect">
+            <a:avLst/>
+          </a:prstGeom>
+          <a:noFill/>
+          <a:extLst>
+            <a:ext uri="{909E8E84-426E-40DD-AFC4-6F175D3DCCD1}">
+              <a14:hiddenFill xmlns:a14="http://schemas.microsoft.com/office/drawing/2010/main">
+                <a:solidFill>
+                  <a:srgbClr val="FFFFFF"/>
+                </a:solidFill>
+              </a14:hiddenFill>
+            </a:ext>
+          </a:extLst>
+        </p:spPr>
+      </p:pic>
+      <p:pic>
+        <p:nvPicPr>
+          <p:cNvPr id="1036" name="Picture 12" descr="Getting Started with JupyterLab. Install a stand-alone Jupyterlab… | by  Mostafa Farrag | Hydroinformatics | Medium">
+            <a:extLst>
+              <a:ext uri="{FF2B5EF4-FFF2-40B4-BE49-F238E27FC236}">
+                <a16:creationId xmlns:a16="http://schemas.microsoft.com/office/drawing/2014/main" id="{491F5A3D-D6CD-27D4-1DB8-3B7EA563C51F}"/>
+              </a:ext>
+            </a:extLst>
+          </p:cNvPr>
+          <p:cNvPicPr>
+            <a:picLocks noChangeAspect="1" noChangeArrowheads="1"/>
+          </p:cNvPicPr>
+          <p:nvPr/>
+        </p:nvPicPr>
+        <p:blipFill>
+          <a:blip r:embed="rId7">
+            <a:extLst>
+              <a:ext uri="{28A0092B-C50C-407E-A947-70E740481C1C}">
+                <a14:useLocalDpi xmlns:a14="http://schemas.microsoft.com/office/drawing/2010/main" val="0"/>
+              </a:ext>
+            </a:extLst>
+          </a:blip>
+          <a:srcRect/>
+          <a:stretch>
+            <a:fillRect/>
+          </a:stretch>
+        </p:blipFill>
+        <p:spPr bwMode="auto">
+          <a:xfrm>
+            <a:off x="2816087" y="4940257"/>
+            <a:ext cx="1615075" cy="1615075"/>
+          </a:xfrm>
+          <a:prstGeom prst="rect">
+            <a:avLst/>
+          </a:prstGeom>
+          <a:noFill/>
+          <a:extLst>
+            <a:ext uri="{909E8E84-426E-40DD-AFC4-6F175D3DCCD1}">
+              <a14:hiddenFill xmlns:a14="http://schemas.microsoft.com/office/drawing/2010/main">
+                <a:solidFill>
+                  <a:srgbClr val="FFFFFF"/>
+                </a:solidFill>
+              </a14:hiddenFill>
+            </a:ext>
+          </a:extLst>
+        </p:spPr>
+      </p:pic>
+      <p:pic>
+        <p:nvPicPr>
+          <p:cNvPr id="1038" name="Picture 14" descr="Create GitHub Repository And Add New/Existing Project Using GitHub Desktop">
+            <a:extLst>
+              <a:ext uri="{FF2B5EF4-FFF2-40B4-BE49-F238E27FC236}">
+                <a16:creationId xmlns:a16="http://schemas.microsoft.com/office/drawing/2014/main" id="{2007515E-BEDC-ABA7-DE55-F627DFDFD42E}"/>
+              </a:ext>
+            </a:extLst>
+          </p:cNvPr>
+          <p:cNvPicPr>
+            <a:picLocks noChangeAspect="1" noChangeArrowheads="1"/>
+          </p:cNvPicPr>
+          <p:nvPr/>
+        </p:nvPicPr>
+        <p:blipFill>
+          <a:blip r:embed="rId8">
+            <a:extLst>
+              <a:ext uri="{28A0092B-C50C-407E-A947-70E740481C1C}">
+                <a14:useLocalDpi xmlns:a14="http://schemas.microsoft.com/office/drawing/2010/main" val="0"/>
+              </a:ext>
+            </a:extLst>
+          </a:blip>
+          <a:srcRect/>
+          <a:stretch>
+            <a:fillRect/>
+          </a:stretch>
+        </p:blipFill>
+        <p:spPr bwMode="auto">
+          <a:xfrm>
+            <a:off x="8274885" y="941901"/>
+            <a:ext cx="3653625" cy="1586141"/>
+          </a:xfrm>
+          <a:prstGeom prst="rect">
+            <a:avLst/>
+          </a:prstGeom>
+          <a:noFill/>
+          <a:extLst>
+            <a:ext uri="{909E8E84-426E-40DD-AFC4-6F175D3DCCD1}">
+              <a14:hiddenFill xmlns:a14="http://schemas.microsoft.com/office/drawing/2010/main">
+                <a:solidFill>
+                  <a:srgbClr val="FFFFFF"/>
+                </a:solidFill>
+              </a14:hiddenFill>
+            </a:ext>
+          </a:extLst>
+        </p:spPr>
+      </p:pic>
+      <p:pic>
+        <p:nvPicPr>
+          <p:cNvPr id="1040" name="Picture 16" descr="10 Features of VS Code Every Developer Should Know">
+            <a:extLst>
+              <a:ext uri="{FF2B5EF4-FFF2-40B4-BE49-F238E27FC236}">
+                <a16:creationId xmlns:a16="http://schemas.microsoft.com/office/drawing/2014/main" id="{67126705-09E0-4994-DE5B-6D7160CD6B88}"/>
+              </a:ext>
+            </a:extLst>
+          </p:cNvPr>
+          <p:cNvPicPr>
+            <a:picLocks noChangeAspect="1" noChangeArrowheads="1"/>
+          </p:cNvPicPr>
+          <p:nvPr/>
+        </p:nvPicPr>
+        <p:blipFill>
+          <a:blip r:embed="rId9">
+            <a:extLst>
+              <a:ext uri="{28A0092B-C50C-407E-A947-70E740481C1C}">
+                <a14:useLocalDpi xmlns:a14="http://schemas.microsoft.com/office/drawing/2010/main" val="0"/>
+              </a:ext>
+            </a:extLst>
+          </a:blip>
+          <a:srcRect/>
+          <a:stretch>
+            <a:fillRect/>
+          </a:stretch>
+        </p:blipFill>
+        <p:spPr bwMode="auto">
+          <a:xfrm>
+            <a:off x="4629729" y="3882207"/>
+            <a:ext cx="1974219" cy="1480665"/>
+          </a:xfrm>
+          <a:prstGeom prst="rect">
+            <a:avLst/>
+          </a:prstGeom>
+          <a:noFill/>
+          <a:extLst>
+            <a:ext uri="{909E8E84-426E-40DD-AFC4-6F175D3DCCD1}">
+              <a14:hiddenFill xmlns:a14="http://schemas.microsoft.com/office/drawing/2010/main">
+                <a:solidFill>
+                  <a:srgbClr val="FFFFFF"/>
+                </a:solidFill>
+              </a14:hiddenFill>
+            </a:ext>
+          </a:extLst>
+        </p:spPr>
+      </p:pic>
+      <p:sp>
+        <p:nvSpPr>
+          <p:cNvPr id="6" name="Rectangle 5">
+            <a:extLst>
+              <a:ext uri="{FF2B5EF4-FFF2-40B4-BE49-F238E27FC236}">
+                <a16:creationId xmlns:a16="http://schemas.microsoft.com/office/drawing/2014/main" id="{CB61DA00-CD89-34D6-CCF3-D8E57148C37B}"/>
+              </a:ext>
+            </a:extLst>
+          </p:cNvPr>
+          <p:cNvSpPr/>
+          <p:nvPr/>
+        </p:nvSpPr>
+        <p:spPr>
+          <a:xfrm>
+            <a:off x="481263" y="941901"/>
+            <a:ext cx="6215170" cy="2313252"/>
+          </a:xfrm>
+          <a:prstGeom prst="rect">
+            <a:avLst/>
+          </a:prstGeom>
+          <a:noFill/>
+          <a:ln w="53975">
+            <a:prstDash val="dash"/>
+          </a:ln>
+        </p:spPr>
+        <p:style>
+          <a:lnRef idx="2">
+            <a:schemeClr val="accent1">
+              <a:shade val="15000"/>
+            </a:schemeClr>
+          </a:lnRef>
+          <a:fillRef idx="1">
+            <a:schemeClr val="accent1"/>
+          </a:fillRef>
+          <a:effectRef idx="0">
+            <a:schemeClr val="accent1"/>
+          </a:effectRef>
+          <a:fontRef idx="minor">
+            <a:schemeClr val="lt1"/>
+          </a:fontRef>
+        </p:style>
+        <p:txBody>
+          <a:bodyPr rtlCol="0" anchor="ctr"/>
+          <a:lstStyle/>
+          <a:p>
+            <a:pPr algn="ctr"/>
+            <a:endParaRPr lang="en-GB" dirty="0"/>
+          </a:p>
+        </p:txBody>
+      </p:sp>
+      <p:sp>
+        <p:nvSpPr>
+          <p:cNvPr id="7" name="Rectangle 6">
+            <a:extLst>
+              <a:ext uri="{FF2B5EF4-FFF2-40B4-BE49-F238E27FC236}">
+                <a16:creationId xmlns:a16="http://schemas.microsoft.com/office/drawing/2014/main" id="{1D60D834-3CBC-7A59-0665-39B3B786F852}"/>
+              </a:ext>
+            </a:extLst>
+          </p:cNvPr>
+          <p:cNvSpPr/>
+          <p:nvPr/>
+        </p:nvSpPr>
+        <p:spPr>
+          <a:xfrm>
+            <a:off x="428144" y="3647022"/>
+            <a:ext cx="10882586" cy="3071830"/>
+          </a:xfrm>
+          <a:prstGeom prst="rect">
+            <a:avLst/>
+          </a:prstGeom>
+          <a:noFill/>
+          <a:ln w="53975">
+            <a:prstDash val="dash"/>
+          </a:ln>
+        </p:spPr>
+        <p:style>
+          <a:lnRef idx="2">
+            <a:schemeClr val="accent1">
+              <a:shade val="15000"/>
+            </a:schemeClr>
+          </a:lnRef>
+          <a:fillRef idx="1">
+            <a:schemeClr val="accent1"/>
+          </a:fillRef>
+          <a:effectRef idx="0">
+            <a:schemeClr val="accent1"/>
+          </a:effectRef>
+          <a:fontRef idx="minor">
+            <a:schemeClr val="lt1"/>
+          </a:fontRef>
+        </p:style>
+        <p:txBody>
+          <a:bodyPr rtlCol="0" anchor="ctr"/>
+          <a:lstStyle/>
+          <a:p>
+            <a:pPr algn="ctr"/>
+            <a:endParaRPr lang="en-GB" dirty="0"/>
+          </a:p>
+        </p:txBody>
+      </p:sp>
+      <p:pic>
+        <p:nvPicPr>
+          <p:cNvPr id="1042" name="Picture 18" descr="ChatGPT in education: how much work should we outsource to AI? – Social  Sciences Birmingham">
+            <a:extLst>
+              <a:ext uri="{FF2B5EF4-FFF2-40B4-BE49-F238E27FC236}">
+                <a16:creationId xmlns:a16="http://schemas.microsoft.com/office/drawing/2014/main" id="{0F174623-E577-A820-2BCE-B3DF46B3CCCF}"/>
+              </a:ext>
+            </a:extLst>
+          </p:cNvPr>
+          <p:cNvPicPr>
+            <a:picLocks noChangeAspect="1" noChangeArrowheads="1"/>
+          </p:cNvPicPr>
+          <p:nvPr/>
+        </p:nvPicPr>
+        <p:blipFill rotWithShape="1">
+          <a:blip r:embed="rId10">
+            <a:extLst>
+              <a:ext uri="{28A0092B-C50C-407E-A947-70E740481C1C}">
+                <a14:useLocalDpi xmlns:a14="http://schemas.microsoft.com/office/drawing/2010/main" val="0"/>
+              </a:ext>
+            </a:extLst>
+          </a:blip>
+          <a:srcRect l="30679" t="12121" r="29890" b="13734"/>
+          <a:stretch/>
+        </p:blipFill>
+        <p:spPr bwMode="auto">
+          <a:xfrm>
+            <a:off x="6866453" y="2095613"/>
+            <a:ext cx="1196791" cy="1369072"/>
+          </a:xfrm>
+          <a:prstGeom prst="rect">
+            <a:avLst/>
+          </a:prstGeom>
+          <a:noFill/>
+          <a:extLst>
+            <a:ext uri="{909E8E84-426E-40DD-AFC4-6F175D3DCCD1}">
+              <a14:hiddenFill xmlns:a14="http://schemas.microsoft.com/office/drawing/2010/main">
+                <a:solidFill>
+                  <a:srgbClr val="FFFFFF"/>
+                </a:solidFill>
+              </a14:hiddenFill>
+            </a:ext>
+          </a:extLst>
+        </p:spPr>
+      </p:pic>
+    </p:spTree>
+    <p:extLst>
+      <p:ext uri="{BB962C8B-B14F-4D97-AF65-F5344CB8AC3E}">
+        <p14:creationId xmlns:p14="http://schemas.microsoft.com/office/powerpoint/2010/main" val="510846605"/>
+      </p:ext>
+    </p:extLst>
+  </p:cSld>
+  <p:clrMapOvr>
+    <a:masterClrMapping/>
+  </p:clrMapOvr>
+</p:sld>
+</file>
+
+<file path=ppt/slides/slide14.xml><?xml version="1.0" encoding="utf-8"?>
+<p:sld xmlns:a="http://schemas.openxmlformats.org/drawingml/2006/main" xmlns:r="http://schemas.openxmlformats.org/officeDocument/2006/relationships" xmlns:p="http://schemas.openxmlformats.org/presentationml/2006/main">
+  <p:cSld>
+    <p:spTree>
+      <p:nvGrpSpPr>
+        <p:cNvPr id="1" name=""/>
+        <p:cNvGrpSpPr/>
+        <p:nvPr/>
+      </p:nvGrpSpPr>
+      <p:grpSpPr>
+        <a:xfrm>
+          <a:off x="0" y="0"/>
+          <a:ext cx="0" cy="0"/>
+          <a:chOff x="0" y="0"/>
+          <a:chExt cx="0" cy="0"/>
+        </a:xfrm>
+      </p:grpSpPr>
+      <p:sp>
+        <p:nvSpPr>
           <p:cNvPr id="2" name="Content Placeholder 2">
             <a:extLst>
               <a:ext uri="{FF2B5EF4-FFF2-40B4-BE49-F238E27FC236}">
@@ -3602,7 +4525,7 @@
 </p:sld>
 </file>
 
-<file path=ppt/slides/slide13.xml><?xml version="1.0" encoding="utf-8"?>
+<file path=ppt/slides/slide15.xml><?xml version="1.0" encoding="utf-8"?>
 <p:sld xmlns:a="http://schemas.openxmlformats.org/drawingml/2006/main" xmlns:r="http://schemas.openxmlformats.org/officeDocument/2006/relationships" xmlns:p="http://schemas.openxmlformats.org/presentationml/2006/main">
   <p:cSld>
     <p:spTree>
@@ -3877,7 +4800,7 @@
 </p:sld>
 </file>
 
-<file path=ppt/slides/slide14.xml><?xml version="1.0" encoding="utf-8"?>
+<file path=ppt/slides/slide16.xml><?xml version="1.0" encoding="utf-8"?>
 <p:sld xmlns:a="http://schemas.openxmlformats.org/drawingml/2006/main" xmlns:r="http://schemas.openxmlformats.org/officeDocument/2006/relationships" xmlns:p="http://schemas.openxmlformats.org/presentationml/2006/main">
   <p:cSld>
     <p:spTree>
@@ -3963,7 +4886,7 @@
 </p:sld>
 </file>
 
-<file path=ppt/slides/slide15.xml><?xml version="1.0" encoding="utf-8"?>
+<file path=ppt/slides/slide17.xml><?xml version="1.0" encoding="utf-8"?>
 <p:sld xmlns:a="http://schemas.openxmlformats.org/drawingml/2006/main" xmlns:r="http://schemas.openxmlformats.org/officeDocument/2006/relationships" xmlns:p="http://schemas.openxmlformats.org/presentationml/2006/main">
   <p:cSld>
     <p:spTree>
@@ -4214,7 +5137,7 @@
 </p:sld>
 </file>
 
-<file path=ppt/slides/slide16.xml><?xml version="1.0" encoding="utf-8"?>
+<file path=ppt/slides/slide18.xml><?xml version="1.0" encoding="utf-8"?>
 <p:sld xmlns:a="http://schemas.openxmlformats.org/drawingml/2006/main" xmlns:r="http://schemas.openxmlformats.org/officeDocument/2006/relationships" xmlns:p="http://schemas.openxmlformats.org/presentationml/2006/main">
   <p:cSld>
     <p:spTree>
@@ -4334,265 +5257,6 @@
 </p:sld>
 </file>
 
-<file path=ppt/slides/slide17.xml><?xml version="1.0" encoding="utf-8"?>
-<p:sld xmlns:a="http://schemas.openxmlformats.org/drawingml/2006/main" xmlns:r="http://schemas.openxmlformats.org/officeDocument/2006/relationships" xmlns:p="http://schemas.openxmlformats.org/presentationml/2006/main">
-  <p:cSld>
-    <p:spTree>
-      <p:nvGrpSpPr>
-        <p:cNvPr id="1" name=""/>
-        <p:cNvGrpSpPr/>
-        <p:nvPr/>
-      </p:nvGrpSpPr>
-      <p:grpSpPr>
-        <a:xfrm>
-          <a:off x="0" y="0"/>
-          <a:ext cx="0" cy="0"/>
-          <a:chOff x="0" y="0"/>
-          <a:chExt cx="0" cy="0"/>
-        </a:xfrm>
-      </p:grpSpPr>
-      <p:sp>
-        <p:nvSpPr>
-          <p:cNvPr id="2" name="Title 1"/>
-          <p:cNvSpPr>
-            <a:spLocks noGrp="1"/>
-          </p:cNvSpPr>
-          <p:nvPr>
-            <p:ph type="title"/>
-          </p:nvPr>
-        </p:nvSpPr>
-        <p:spPr/>
-        <p:txBody>
-          <a:bodyPr/>
-          <a:lstStyle/>
-          <a:p>
-            <a:pPr marL="0" lvl="0" indent="0">
-              <a:buNone/>
-            </a:pPr>
-            <a:r>
-              <a:t>Activity</a:t>
-            </a:r>
-            <a:r>
-              <a:rPr lang="en-GB"/>
-              <a:t> 01</a:t>
-            </a:r>
-            <a:r>
-              <a:t>: BMI data</a:t>
-            </a:r>
-          </a:p>
-        </p:txBody>
-      </p:sp>
-      <p:sp>
-        <p:nvSpPr>
-          <p:cNvPr id="3" name="Content Placeholder 2"/>
-          <p:cNvSpPr>
-            <a:spLocks noGrp="1"/>
-          </p:cNvSpPr>
-          <p:nvPr>
-            <p:ph idx="1"/>
-          </p:nvPr>
-        </p:nvSpPr>
-        <p:spPr/>
-        <p:txBody>
-          <a:bodyPr/>
-          <a:lstStyle/>
-          <a:p>
-            <a:pPr lvl="1"/>
-            <a:r>
-              <a:rPr dirty="0"/>
-              <a:t>Data dictionary present</a:t>
-            </a:r>
-          </a:p>
-          <a:p>
-            <a:pPr lvl="1"/>
-            <a:r>
-              <a:rPr dirty="0"/>
-              <a:t>Simple variable names, first row</a:t>
-            </a:r>
-          </a:p>
-          <a:p>
-            <a:pPr lvl="1"/>
-            <a:r>
-              <a:rPr dirty="0"/>
-              <a:t>Simple data structure, 1 row per obs.</a:t>
-            </a:r>
-          </a:p>
-          <a:p>
-            <a:pPr lvl="1"/>
-            <a:r>
-              <a:rPr dirty="0"/>
-              <a:t>No extraneous info embedded</a:t>
-            </a:r>
-          </a:p>
-          <a:p>
-            <a:pPr lvl="1"/>
-            <a:r>
-              <a:rPr dirty="0"/>
-              <a:t>E.g. Excel: 1st tab data, 2nd tab data dictionary</a:t>
-            </a:r>
-          </a:p>
-        </p:txBody>
-      </p:sp>
-    </p:spTree>
-  </p:cSld>
-  <p:clrMapOvr>
-    <a:masterClrMapping/>
-  </p:clrMapOvr>
-</p:sld>
-</file>
-
-<file path=ppt/slides/slide18.xml><?xml version="1.0" encoding="utf-8"?>
-<p:sld xmlns:a="http://schemas.openxmlformats.org/drawingml/2006/main" xmlns:r="http://schemas.openxmlformats.org/officeDocument/2006/relationships" xmlns:p="http://schemas.openxmlformats.org/presentationml/2006/main">
-  <p:cSld>
-    <p:spTree>
-      <p:nvGrpSpPr>
-        <p:cNvPr id="1" name=""/>
-        <p:cNvGrpSpPr/>
-        <p:nvPr/>
-      </p:nvGrpSpPr>
-      <p:grpSpPr>
-        <a:xfrm>
-          <a:off x="0" y="0"/>
-          <a:ext cx="0" cy="0"/>
-          <a:chOff x="0" y="0"/>
-          <a:chExt cx="0" cy="0"/>
-        </a:xfrm>
-      </p:grpSpPr>
-      <p:sp>
-        <p:nvSpPr>
-          <p:cNvPr id="2" name="Title 1"/>
-          <p:cNvSpPr>
-            <a:spLocks noGrp="1"/>
-          </p:cNvSpPr>
-          <p:nvPr>
-            <p:ph type="title"/>
-          </p:nvPr>
-        </p:nvSpPr>
-        <p:spPr/>
-        <p:txBody>
-          <a:bodyPr/>
-          <a:lstStyle/>
-          <a:p>
-            <a:pPr marL="0" lvl="0" indent="0">
-              <a:buNone/>
-            </a:pPr>
-            <a:r>
-              <a:t>Activity</a:t>
-            </a:r>
-            <a:r>
-              <a:rPr lang="en-GB"/>
-              <a:t> 01</a:t>
-            </a:r>
-            <a:r>
-              <a:t>: BMI data</a:t>
-            </a:r>
-          </a:p>
-        </p:txBody>
-      </p:sp>
-      <p:sp>
-        <p:nvSpPr>
-          <p:cNvPr id="3" name="Content Placeholder 2"/>
-          <p:cNvSpPr>
-            <a:spLocks noGrp="1"/>
-          </p:cNvSpPr>
-          <p:nvPr>
-            <p:ph idx="1"/>
-          </p:nvPr>
-        </p:nvSpPr>
-        <p:spPr/>
-        <p:txBody>
-          <a:bodyPr/>
-          <a:lstStyle/>
-          <a:p>
-            <a:pPr marL="0" lvl="0" indent="0">
-              <a:buNone/>
-            </a:pPr>
-            <a:r>
-              <a:rPr dirty="0"/>
-              <a:t>Files:</a:t>
-            </a:r>
-          </a:p>
-          <a:p>
-            <a:pPr lvl="1"/>
-            <a:r>
-              <a:rPr b="1" dirty="0"/>
-              <a:t>bmi_f.txt</a:t>
-            </a:r>
-            <a:r>
-              <a:rPr dirty="0"/>
-              <a:t>, </a:t>
-            </a:r>
-            <a:r>
-              <a:rPr b="1" dirty="0"/>
-              <a:t>bmi_m.txt </a:t>
-            </a:r>
-            <a:r>
-              <a:rPr dirty="0"/>
-              <a:t>(tab delimited text)</a:t>
-            </a:r>
-          </a:p>
-          <a:p>
-            <a:pPr lvl="1"/>
-            <a:r>
-              <a:rPr dirty="0"/>
-              <a:t>“ID”, subject ID within each file</a:t>
-            </a:r>
-          </a:p>
-          <a:p>
-            <a:pPr lvl="1"/>
-            <a:r>
-              <a:rPr dirty="0"/>
-              <a:t>“steps”, # steps / </a:t>
-            </a:r>
-            <a:r>
-              <a:rPr dirty="0" err="1"/>
-              <a:t>wk</a:t>
-            </a:r>
-            <a:r>
-              <a:rPr dirty="0"/>
-              <a:t> past 16 weeks</a:t>
-            </a:r>
-          </a:p>
-          <a:p>
-            <a:pPr lvl="1"/>
-            <a:r>
-              <a:rPr dirty="0"/>
-              <a:t>“</a:t>
-            </a:r>
-            <a:r>
-              <a:rPr dirty="0" err="1"/>
-              <a:t>bmi</a:t>
-            </a:r>
-            <a:r>
-              <a:rPr dirty="0"/>
-              <a:t>”, </a:t>
-            </a:r>
-            <a:r>
-              <a:rPr dirty="0" err="1"/>
-              <a:t>bmi</a:t>
-            </a:r>
-            <a:r>
-              <a:rPr dirty="0"/>
-              <a:t> measure</a:t>
-            </a:r>
-          </a:p>
-          <a:p>
-            <a:pPr lvl="1"/>
-            <a:r>
-              <a:rPr dirty="0"/>
-              <a:t>Also, gender is indicated (obviously)</a:t>
-            </a:r>
-          </a:p>
-        </p:txBody>
-      </p:sp>
-    </p:spTree>
-  </p:cSld>
-  <p:clrMapOvr>
-    <a:masterClrMapping/>
-  </p:clrMapOvr>
-</p:sld>
-</file>
-
 <file path=ppt/slides/slide19.xml><?xml version="1.0" encoding="utf-8"?>
 <p:sld xmlns:a="http://schemas.openxmlformats.org/drawingml/2006/main" xmlns:r="http://schemas.openxmlformats.org/officeDocument/2006/relationships" xmlns:p="http://schemas.openxmlformats.org/presentationml/2006/main">
   <p:cSld>
@@ -4656,49 +5320,38 @@
           <a:bodyPr/>
           <a:lstStyle/>
           <a:p>
-            <a:pPr marL="0" lvl="0" indent="0">
-              <a:buNone/>
-            </a:pPr>
+            <a:pPr lvl="1"/>
             <a:r>
               <a:rPr dirty="0"/>
-              <a:t>Your task:</a:t>
+              <a:t>Data dictionary present</a:t>
             </a:r>
           </a:p>
           <a:p>
             <a:pPr lvl="1"/>
             <a:r>
-              <a:rPr b="1" dirty="0"/>
-              <a:t>Convert the data to a tidy data format in a single .xlsx file</a:t>
-            </a:r>
-            <a:endParaRPr lang="en-GB" b="1" dirty="0"/>
+              <a:rPr dirty="0"/>
+              <a:t>Simple variable names, first row</a:t>
+            </a:r>
           </a:p>
           <a:p>
             <a:pPr lvl="1"/>
             <a:r>
-              <a:rPr lang="en-US" b="1" dirty="0"/>
-              <a:t>Do this using only R code</a:t>
-            </a:r>
-            <a:endParaRPr b="1" dirty="0"/>
+              <a:rPr dirty="0"/>
+              <a:t>Simple data structure, 1 row per obs.</a:t>
+            </a:r>
           </a:p>
           <a:p>
             <a:pPr lvl="1"/>
             <a:r>
               <a:rPr dirty="0"/>
-              <a:t>~15 minutes + scrutiny</a:t>
+              <a:t>No extraneous info embedded</a:t>
             </a:r>
           </a:p>
           <a:p>
             <a:pPr lvl="1"/>
             <a:r>
               <a:rPr dirty="0"/>
-              <a:t>We will scrutinize and discuss</a:t>
-            </a:r>
-          </a:p>
-          <a:p>
-            <a:pPr lvl="1"/>
-            <a:r>
-              <a:rPr dirty="0"/>
-              <a:t>Go!</a:t>
+              <a:t>E.g. Excel: 1st tab data, 2nd tab data dictionary</a:t>
             </a:r>
           </a:p>
         </p:txBody>
@@ -4964,10 +5617,10 @@
             </a:r>
             <a:r>
               <a:rPr lang="en-GB"/>
-              <a:t> 02 </a:t>
-            </a:r>
-            <a:r>
-              <a:t>- analyse BMI data</a:t>
+              <a:t> 01</a:t>
+            </a:r>
+            <a:r>
+              <a:t>: BMI data</a:t>
             </a:r>
           </a:p>
         </p:txBody>
@@ -4987,38 +5640,83 @@
           <a:bodyPr/>
           <a:lstStyle/>
           <a:p>
+            <a:pPr marL="0" lvl="0" indent="0">
+              <a:buNone/>
+            </a:pPr>
+            <a:r>
+              <a:rPr dirty="0"/>
+              <a:t>Files:</a:t>
+            </a:r>
+          </a:p>
+          <a:p>
             <a:pPr lvl="1"/>
             <a:r>
               <a:rPr b="1" dirty="0"/>
-              <a:t>Receive individual “instructions”</a:t>
+              <a:t>bmi_f.txt</a:t>
+            </a:r>
+            <a:r>
+              <a:rPr dirty="0"/>
+              <a:t>, </a:t>
+            </a:r>
+            <a:r>
+              <a:rPr b="1" dirty="0"/>
+              <a:t>bmi_m.txt </a:t>
+            </a:r>
+            <a:r>
+              <a:rPr dirty="0"/>
+              <a:t>(tab delimited text)</a:t>
             </a:r>
           </a:p>
           <a:p>
             <a:pPr lvl="1"/>
             <a:r>
-              <a:rPr b="1" dirty="0"/>
-              <a:t>Perform analysis ~30 mins</a:t>
+              <a:rPr dirty="0"/>
+              <a:t>“ID”, subject ID within each file</a:t>
             </a:r>
           </a:p>
           <a:p>
             <a:pPr lvl="1"/>
             <a:r>
               <a:rPr dirty="0"/>
-              <a:t>Do not speak to others</a:t>
+              <a:t>“steps”, # steps / </a:t>
+            </a:r>
+            <a:r>
+              <a:rPr dirty="0" err="1"/>
+              <a:t>wk</a:t>
+            </a:r>
+            <a:r>
+              <a:rPr dirty="0"/>
+              <a:t> past 16 weeks</a:t>
             </a:r>
           </a:p>
           <a:p>
             <a:pPr lvl="1"/>
             <a:r>
               <a:rPr dirty="0"/>
-              <a:t>Discussion of findings (~30 mins)</a:t>
+              <a:t>“</a:t>
+            </a:r>
+            <a:r>
+              <a:rPr dirty="0" err="1"/>
+              <a:t>bmi</a:t>
+            </a:r>
+            <a:r>
+              <a:rPr dirty="0"/>
+              <a:t>”, </a:t>
+            </a:r>
+            <a:r>
+              <a:rPr dirty="0" err="1"/>
+              <a:t>bmi</a:t>
+            </a:r>
+            <a:r>
+              <a:rPr dirty="0"/>
+              <a:t> measure</a:t>
             </a:r>
           </a:p>
           <a:p>
             <a:pPr lvl="1"/>
             <a:r>
               <a:rPr dirty="0"/>
-              <a:t>Go!</a:t>
+              <a:t>Also, gender is indicated (obviously)</a:t>
             </a:r>
           </a:p>
         </p:txBody>
@@ -5067,7 +5765,14 @@
               <a:buNone/>
             </a:pPr>
             <a:r>
-              <a:t>Activity 02 - analyse BMI data</a:t>
+              <a:t>Activity</a:t>
+            </a:r>
+            <a:r>
+              <a:rPr lang="en-GB"/>
+              <a:t> 01</a:t>
+            </a:r>
+            <a:r>
+              <a:t>: BMI data</a:t>
             </a:r>
           </a:p>
         </p:txBody>
@@ -5087,27 +5792,49 @@
           <a:bodyPr/>
           <a:lstStyle/>
           <a:p>
+            <a:pPr marL="0" lvl="0" indent="0">
+              <a:buNone/>
+            </a:pPr>
+            <a:r>
+              <a:rPr dirty="0"/>
+              <a:t>Your task:</a:t>
+            </a:r>
+          </a:p>
+          <a:p>
             <a:pPr lvl="1"/>
             <a:r>
-              <a:t>What did you find?</a:t>
-            </a:r>
+              <a:rPr b="1" dirty="0"/>
+              <a:t>Convert the data to a tidy data format in a single .xlsx file</a:t>
+            </a:r>
+            <a:endParaRPr lang="en-GB" b="1" dirty="0"/>
           </a:p>
           <a:p>
             <a:pPr lvl="1"/>
             <a:r>
-              <a:t>Ed script</a:t>
-            </a:r>
+              <a:rPr lang="en-US" b="1" dirty="0"/>
+              <a:t>Do this using only R code</a:t>
+            </a:r>
+            <a:endParaRPr b="1" dirty="0"/>
           </a:p>
           <a:p>
             <a:pPr lvl="1"/>
             <a:r>
-              <a:t>Discuss (~15 mins)</a:t>
+              <a:rPr dirty="0"/>
+              <a:t>~15 minutes + scrutiny</a:t>
             </a:r>
           </a:p>
           <a:p>
             <a:pPr lvl="1"/>
             <a:r>
-              <a:t>Yanai paper</a:t>
+              <a:rPr dirty="0"/>
+              <a:t>We will scrutinize and discuss</a:t>
+            </a:r>
+          </a:p>
+          <a:p>
+            <a:pPr lvl="1"/>
+            <a:r>
+              <a:rPr dirty="0"/>
+              <a:t>Go!</a:t>
             </a:r>
           </a:p>
         </p:txBody>
@@ -5156,7 +5883,14 @@
               <a:buNone/>
             </a:pPr>
             <a:r>
-              <a:t>Activity 03: BMI data report</a:t>
+              <a:t>Activity</a:t>
+            </a:r>
+            <a:r>
+              <a:rPr lang="en-GB"/>
+              <a:t> 02 </a:t>
+            </a:r>
+            <a:r>
+              <a:t>- analyse BMI data</a:t>
             </a:r>
           </a:p>
         </p:txBody>
@@ -5178,19 +5912,36 @@
           <a:p>
             <a:pPr lvl="1"/>
             <a:r>
-              <a:t>Formated “dynamic” reports using R Markdown</a:t>
+              <a:rPr b="1" dirty="0"/>
+              <a:t>Receive individual “instructions”</a:t>
             </a:r>
           </a:p>
           <a:p>
             <a:pPr lvl="1"/>
             <a:r>
-              <a:t>Markdown is a language</a:t>
+              <a:rPr b="1" dirty="0"/>
+              <a:t>Perform analysis ~30 mins</a:t>
             </a:r>
           </a:p>
           <a:p>
             <a:pPr lvl="1"/>
             <a:r>
-              <a:t>Rmd is “R flavoured Markdown”</a:t>
+              <a:rPr dirty="0"/>
+              <a:t>Do not speak to others</a:t>
+            </a:r>
+          </a:p>
+          <a:p>
+            <a:pPr lvl="1"/>
+            <a:r>
+              <a:rPr dirty="0"/>
+              <a:t>Discussion of findings (~30 mins)</a:t>
+            </a:r>
+          </a:p>
+          <a:p>
+            <a:pPr lvl="1"/>
+            <a:r>
+              <a:rPr dirty="0"/>
+              <a:t>Go!</a:t>
             </a:r>
           </a:p>
         </p:txBody>
@@ -5239,7 +5990,7 @@
               <a:buNone/>
             </a:pPr>
             <a:r>
-              <a:t>Activity 03: BMI data report</a:t>
+              <a:t>Activity 02 - analyse BMI data</a:t>
             </a:r>
           </a:p>
         </p:txBody>
@@ -5259,65 +6010,27 @@
           <a:bodyPr/>
           <a:lstStyle/>
           <a:p>
-            <a:pPr marL="0" lvl="0" indent="0">
-              <a:buNone/>
-            </a:pPr>
-            <a:r>
-              <a:t>Go for “document”, HTML output (NB pdf, word options): </a:t>
-            </a:r>
-            <a:r>
-              <a:rPr b="1"/>
-              <a:t>Demonstration</a:t>
-            </a:r>
-          </a:p>
-          <a:p>
-            <a:pPr marL="0" lvl="0" indent="0">
-              <a:buNone/>
-            </a:pPr>
-            <a:br/>
-            <a:r>
-              <a:t>A report should usually be structured with the “seen” sections: </a:t>
-            </a:r>
-            <a:r>
-              <a:rPr b="1"/>
-              <a:t>Title</a:t>
-            </a:r>
-            <a:r>
-              <a:t>, </a:t>
-            </a:r>
-            <a:r>
-              <a:rPr b="1"/>
-              <a:t>Summary</a:t>
-            </a:r>
-            <a:r>
-              <a:t>, </a:t>
-            </a:r>
-            <a:r>
-              <a:rPr b="1"/>
-              <a:t>Background</a:t>
-            </a:r>
-            <a:r>
-              <a:t>, </a:t>
-            </a:r>
-            <a:r>
-              <a:rPr b="1"/>
-              <a:t>Results</a:t>
-            </a:r>
-            <a:r>
-              <a:t>, </a:t>
-            </a:r>
-            <a:r>
-              <a:rPr b="1"/>
-              <a:t>Bibliography</a:t>
-            </a:r>
-          </a:p>
-          <a:p>
-            <a:pPr marL="0" lvl="0" indent="0">
-              <a:buNone/>
-            </a:pPr>
-            <a:br/>
-            <a:r>
-              <a:t>NB there are usually several “unseen” sections</a:t>
+            <a:pPr lvl="1"/>
+            <a:r>
+              <a:t>What did you find?</a:t>
+            </a:r>
+          </a:p>
+          <a:p>
+            <a:pPr lvl="1"/>
+            <a:r>
+              <a:t>Ed script</a:t>
+            </a:r>
+          </a:p>
+          <a:p>
+            <a:pPr lvl="1"/>
+            <a:r>
+              <a:t>Discuss (~15 mins)</a:t>
+            </a:r>
+          </a:p>
+          <a:p>
+            <a:pPr lvl="1"/>
+            <a:r>
+              <a:t>Yanai paper</a:t>
             </a:r>
           </a:p>
         </p:txBody>
@@ -5386,41 +6099,21 @@
           <a:bodyPr/>
           <a:lstStyle/>
           <a:p>
-            <a:pPr marL="0" lvl="0" indent="0">
-              <a:buNone/>
-            </a:pPr>
-            <a:r>
-              <a:rPr b="1"/>
-              <a:t>Title</a:t>
-            </a:r>
-            <a:r>
-              <a:t> + details - descriptive title</a:t>
-            </a:r>
-          </a:p>
-          <a:p>
-            <a:pPr marL="0" lvl="0" indent="0">
-              <a:buNone/>
-            </a:pPr>
-            <a:r>
-              <a:t>Set in the YAML (“YAML ain’t Markup Language”: recursive acronym…) header</a:t>
-            </a:r>
-          </a:p>
-          <a:p>
-            <a:pPr marL="0" lvl="0" indent="0">
-              <a:buNone/>
-            </a:pPr>
-            <a:br/>
-            <a:r>
-              <a:rPr b="1"/>
-              <a:t>Summary</a:t>
-            </a:r>
-          </a:p>
-          <a:p>
-            <a:pPr marL="0" lvl="0" indent="0">
-              <a:buNone/>
-            </a:pPr>
-            <a:r>
-              <a:t>Summary of major findings - written LAST</a:t>
+            <a:pPr lvl="1"/>
+            <a:r>
+              <a:t>Formated “dynamic” reports using R Markdown</a:t>
+            </a:r>
+          </a:p>
+          <a:p>
+            <a:pPr lvl="1"/>
+            <a:r>
+              <a:t>Markdown is a language</a:t>
+            </a:r>
+          </a:p>
+          <a:p>
+            <a:pPr lvl="1"/>
+            <a:r>
+              <a:t>Rmd is “R flavoured Markdown”</a:t>
             </a:r>
           </a:p>
         </p:txBody>
@@ -5493,16 +6186,52 @@
               <a:buNone/>
             </a:pPr>
             <a:r>
+              <a:t>Go for “document”, HTML output (NB pdf, word options): </a:t>
+            </a:r>
+            <a:r>
+              <a:rPr b="1"/>
+              <a:t>Demonstration</a:t>
+            </a:r>
+          </a:p>
+          <a:p>
+            <a:pPr marL="0" lvl="0" indent="0">
+              <a:buNone/>
+            </a:pPr>
+            <a:br/>
+            <a:r>
+              <a:t>A report should usually be structured with the “seen” sections: </a:t>
+            </a:r>
+            <a:r>
+              <a:rPr b="1"/>
+              <a:t>Title</a:t>
+            </a:r>
+            <a:r>
+              <a:t>, </a:t>
+            </a:r>
+            <a:r>
+              <a:rPr b="1"/>
+              <a:t>Summary</a:t>
+            </a:r>
+            <a:r>
+              <a:t>, </a:t>
+            </a:r>
+            <a:r>
               <a:rPr b="1"/>
               <a:t>Background</a:t>
             </a:r>
-          </a:p>
-          <a:p>
-            <a:pPr marL="0" lvl="0" indent="0">
-              <a:buNone/>
-            </a:pPr>
-            <a:r>
-              <a:t>Functions like and introduction section in a scientific paper. The most important part is the list of OBJECTIVES</a:t>
+            <a:r>
+              <a:t>, </a:t>
+            </a:r>
+            <a:r>
+              <a:rPr b="1"/>
+              <a:t>Results</a:t>
+            </a:r>
+            <a:r>
+              <a:t>, </a:t>
+            </a:r>
+            <a:r>
+              <a:rPr b="1"/>
+              <a:t>Bibliography</a:t>
             </a:r>
           </a:p>
           <a:p>
@@ -5511,11 +6240,7 @@
             </a:pPr>
             <a:br/>
             <a:r>
-              <a:rPr b="1"/>
-              <a:t>Results</a:t>
-            </a:r>
-            <a:r>
-              <a:t> Graphs, stats results, terse, clear, technical style</a:t>
+              <a:t>NB there are usually several “unseen” sections</a:t>
             </a:r>
           </a:p>
         </p:txBody>
@@ -5589,7 +6314,10 @@
             </a:pPr>
             <a:r>
               <a:rPr b="1"/>
-              <a:t>Bibliography</a:t>
+              <a:t>Title</a:t>
+            </a:r>
+            <a:r>
+              <a:t> + details - descriptive title</a:t>
             </a:r>
           </a:p>
           <a:p>
@@ -5597,7 +6325,7 @@
               <a:buNone/>
             </a:pPr>
             <a:r>
-              <a:t>If relevant, mostly cited in Background, or possibly in Results if there are methods citations</a:t>
+              <a:t>Set in the YAML (“YAML ain’t Markup Language”: recursive acronym…) header</a:t>
             </a:r>
           </a:p>
           <a:p>
@@ -5606,7 +6334,16 @@
             </a:pPr>
             <a:br/>
             <a:r>
-              <a:t>NB a markdown document is “freeform” ; the structure I suggest here is a minimal example for good practice</a:t>
+              <a:rPr b="1"/>
+              <a:t>Summary</a:t>
+            </a:r>
+          </a:p>
+          <a:p>
+            <a:pPr marL="0" lvl="0" indent="0">
+              <a:buNone/>
+            </a:pPr>
+            <a:r>
+              <a:t>Summary of major findings - written LAST</a:t>
             </a:r>
           </a:p>
         </p:txBody>
@@ -5620,6 +6357,192 @@
 </file>
 
 <file path=ppt/slides/slide27.xml><?xml version="1.0" encoding="utf-8"?>
+<p:sld xmlns:a="http://schemas.openxmlformats.org/drawingml/2006/main" xmlns:r="http://schemas.openxmlformats.org/officeDocument/2006/relationships" xmlns:p="http://schemas.openxmlformats.org/presentationml/2006/main">
+  <p:cSld>
+    <p:spTree>
+      <p:nvGrpSpPr>
+        <p:cNvPr id="1" name=""/>
+        <p:cNvGrpSpPr/>
+        <p:nvPr/>
+      </p:nvGrpSpPr>
+      <p:grpSpPr>
+        <a:xfrm>
+          <a:off x="0" y="0"/>
+          <a:ext cx="0" cy="0"/>
+          <a:chOff x="0" y="0"/>
+          <a:chExt cx="0" cy="0"/>
+        </a:xfrm>
+      </p:grpSpPr>
+      <p:sp>
+        <p:nvSpPr>
+          <p:cNvPr id="2" name="Title 1"/>
+          <p:cNvSpPr>
+            <a:spLocks noGrp="1"/>
+          </p:cNvSpPr>
+          <p:nvPr>
+            <p:ph type="title"/>
+          </p:nvPr>
+        </p:nvSpPr>
+        <p:spPr/>
+        <p:txBody>
+          <a:bodyPr/>
+          <a:lstStyle/>
+          <a:p>
+            <a:pPr marL="0" lvl="0" indent="0">
+              <a:buNone/>
+            </a:pPr>
+            <a:r>
+              <a:t>Activity 03: BMI data report</a:t>
+            </a:r>
+          </a:p>
+        </p:txBody>
+      </p:sp>
+      <p:sp>
+        <p:nvSpPr>
+          <p:cNvPr id="3" name="Content Placeholder 2"/>
+          <p:cNvSpPr>
+            <a:spLocks noGrp="1"/>
+          </p:cNvSpPr>
+          <p:nvPr>
+            <p:ph idx="1"/>
+          </p:nvPr>
+        </p:nvSpPr>
+        <p:spPr/>
+        <p:txBody>
+          <a:bodyPr/>
+          <a:lstStyle/>
+          <a:p>
+            <a:pPr marL="0" lvl="0" indent="0">
+              <a:buNone/>
+            </a:pPr>
+            <a:r>
+              <a:rPr b="1"/>
+              <a:t>Background</a:t>
+            </a:r>
+          </a:p>
+          <a:p>
+            <a:pPr marL="0" lvl="0" indent="0">
+              <a:buNone/>
+            </a:pPr>
+            <a:r>
+              <a:t>Functions like and introduction section in a scientific paper. The most important part is the list of OBJECTIVES</a:t>
+            </a:r>
+          </a:p>
+          <a:p>
+            <a:pPr marL="0" lvl="0" indent="0">
+              <a:buNone/>
+            </a:pPr>
+            <a:br/>
+            <a:r>
+              <a:rPr b="1"/>
+              <a:t>Results</a:t>
+            </a:r>
+            <a:r>
+              <a:t> Graphs, stats results, terse, clear, technical style</a:t>
+            </a:r>
+          </a:p>
+        </p:txBody>
+      </p:sp>
+    </p:spTree>
+  </p:cSld>
+  <p:clrMapOvr>
+    <a:masterClrMapping/>
+  </p:clrMapOvr>
+</p:sld>
+</file>
+
+<file path=ppt/slides/slide28.xml><?xml version="1.0" encoding="utf-8"?>
+<p:sld xmlns:a="http://schemas.openxmlformats.org/drawingml/2006/main" xmlns:r="http://schemas.openxmlformats.org/officeDocument/2006/relationships" xmlns:p="http://schemas.openxmlformats.org/presentationml/2006/main">
+  <p:cSld>
+    <p:spTree>
+      <p:nvGrpSpPr>
+        <p:cNvPr id="1" name=""/>
+        <p:cNvGrpSpPr/>
+        <p:nvPr/>
+      </p:nvGrpSpPr>
+      <p:grpSpPr>
+        <a:xfrm>
+          <a:off x="0" y="0"/>
+          <a:ext cx="0" cy="0"/>
+          <a:chOff x="0" y="0"/>
+          <a:chExt cx="0" cy="0"/>
+        </a:xfrm>
+      </p:grpSpPr>
+      <p:sp>
+        <p:nvSpPr>
+          <p:cNvPr id="2" name="Title 1"/>
+          <p:cNvSpPr>
+            <a:spLocks noGrp="1"/>
+          </p:cNvSpPr>
+          <p:nvPr>
+            <p:ph type="title"/>
+          </p:nvPr>
+        </p:nvSpPr>
+        <p:spPr/>
+        <p:txBody>
+          <a:bodyPr/>
+          <a:lstStyle/>
+          <a:p>
+            <a:pPr marL="0" lvl="0" indent="0">
+              <a:buNone/>
+            </a:pPr>
+            <a:r>
+              <a:t>Activity 03: BMI data report</a:t>
+            </a:r>
+          </a:p>
+        </p:txBody>
+      </p:sp>
+      <p:sp>
+        <p:nvSpPr>
+          <p:cNvPr id="3" name="Content Placeholder 2"/>
+          <p:cNvSpPr>
+            <a:spLocks noGrp="1"/>
+          </p:cNvSpPr>
+          <p:nvPr>
+            <p:ph idx="1"/>
+          </p:nvPr>
+        </p:nvSpPr>
+        <p:spPr/>
+        <p:txBody>
+          <a:bodyPr/>
+          <a:lstStyle/>
+          <a:p>
+            <a:pPr marL="0" lvl="0" indent="0">
+              <a:buNone/>
+            </a:pPr>
+            <a:r>
+              <a:rPr b="1"/>
+              <a:t>Bibliography</a:t>
+            </a:r>
+          </a:p>
+          <a:p>
+            <a:pPr marL="0" lvl="0" indent="0">
+              <a:buNone/>
+            </a:pPr>
+            <a:r>
+              <a:t>If relevant, mostly cited in Background, or possibly in Results if there are methods citations</a:t>
+            </a:r>
+          </a:p>
+          <a:p>
+            <a:pPr marL="0" lvl="0" indent="0">
+              <a:buNone/>
+            </a:pPr>
+            <a:br/>
+            <a:r>
+              <a:t>NB a markdown document is “freeform” ; the structure I suggest here is a minimal example for good practice</a:t>
+            </a:r>
+          </a:p>
+        </p:txBody>
+      </p:sp>
+    </p:spTree>
+  </p:cSld>
+  <p:clrMapOvr>
+    <a:masterClrMapping/>
+  </p:clrMapOvr>
+</p:sld>
+</file>
+
+<file path=ppt/slides/slide29.xml><?xml version="1.0" encoding="utf-8"?>
 <p:sld xmlns:a="http://schemas.openxmlformats.org/drawingml/2006/main" xmlns:r="http://schemas.openxmlformats.org/officeDocument/2006/relationships" xmlns:p="http://schemas.openxmlformats.org/presentationml/2006/main">
   <p:cSld>
     <p:spTree>
